--- a/Presentations/Intoduction.pptx
+++ b/Presentations/Intoduction.pptx
@@ -9,6 +9,9 @@
     <p:sldId id="257" r:id="rId3"/>
     <p:sldId id="258" r:id="rId4"/>
     <p:sldId id="259" r:id="rId5"/>
+    <p:sldId id="260" r:id="rId6"/>
+    <p:sldId id="261" r:id="rId7"/>
+    <p:sldId id="262" r:id="rId8"/>
   </p:sldIdLst>
   <p:sldSz cx="12192000" cy="6858000"/>
   <p:notesSz cx="6858000" cy="9144000"/>
@@ -3744,6 +3747,379 @@
   <p:clrMapOvr>
     <a:masterClrMapping/>
   </p:clrMapOvr>
+  <p:timing>
+    <p:tnLst>
+      <p:par>
+        <p:cTn id="1" dur="indefinite" restart="never" nodeType="tmRoot">
+          <p:childTnLst>
+            <p:seq concurrent="1" nextAc="seek">
+              <p:cTn id="2" dur="indefinite" nodeType="mainSeq">
+                <p:childTnLst>
+                  <p:par>
+                    <p:cTn id="3" fill="hold">
+                      <p:stCondLst>
+                        <p:cond delay="indefinite"/>
+                      </p:stCondLst>
+                      <p:childTnLst>
+                        <p:par>
+                          <p:cTn id="4" fill="hold">
+                            <p:stCondLst>
+                              <p:cond delay="0"/>
+                            </p:stCondLst>
+                            <p:childTnLst>
+                              <p:par>
+                                <p:cTn id="5" presetID="1" presetClass="entr" presetSubtype="0" fill="hold" nodeType="clickEffect">
+                                  <p:stCondLst>
+                                    <p:cond delay="0"/>
+                                  </p:stCondLst>
+                                  <p:childTnLst>
+                                    <p:set>
+                                      <p:cBhvr>
+                                        <p:cTn id="6" dur="1" fill="hold">
+                                          <p:stCondLst>
+                                            <p:cond delay="0"/>
+                                          </p:stCondLst>
+                                        </p:cTn>
+                                        <p:tgtEl>
+                                          <p:spTgt spid="7">
+                                            <p:txEl>
+                                              <p:pRg st="0" end="0"/>
+                                            </p:txEl>
+                                          </p:spTgt>
+                                        </p:tgtEl>
+                                        <p:attrNameLst>
+                                          <p:attrName>style.visibility</p:attrName>
+                                        </p:attrNameLst>
+                                      </p:cBhvr>
+                                      <p:to>
+                                        <p:strVal val="visible"/>
+                                      </p:to>
+                                    </p:set>
+                                  </p:childTnLst>
+                                </p:cTn>
+                              </p:par>
+                            </p:childTnLst>
+                          </p:cTn>
+                        </p:par>
+                      </p:childTnLst>
+                    </p:cTn>
+                  </p:par>
+                  <p:par>
+                    <p:cTn id="7" fill="hold">
+                      <p:stCondLst>
+                        <p:cond delay="indefinite"/>
+                      </p:stCondLst>
+                      <p:childTnLst>
+                        <p:par>
+                          <p:cTn id="8" fill="hold">
+                            <p:stCondLst>
+                              <p:cond delay="0"/>
+                            </p:stCondLst>
+                            <p:childTnLst>
+                              <p:par>
+                                <p:cTn id="9" presetID="1" presetClass="entr" presetSubtype="0" fill="hold" nodeType="clickEffect">
+                                  <p:stCondLst>
+                                    <p:cond delay="0"/>
+                                  </p:stCondLst>
+                                  <p:childTnLst>
+                                    <p:set>
+                                      <p:cBhvr>
+                                        <p:cTn id="10" dur="1" fill="hold">
+                                          <p:stCondLst>
+                                            <p:cond delay="0"/>
+                                          </p:stCondLst>
+                                        </p:cTn>
+                                        <p:tgtEl>
+                                          <p:spTgt spid="7">
+                                            <p:txEl>
+                                              <p:pRg st="1" end="1"/>
+                                            </p:txEl>
+                                          </p:spTgt>
+                                        </p:tgtEl>
+                                        <p:attrNameLst>
+                                          <p:attrName>style.visibility</p:attrName>
+                                        </p:attrNameLst>
+                                      </p:cBhvr>
+                                      <p:to>
+                                        <p:strVal val="visible"/>
+                                      </p:to>
+                                    </p:set>
+                                  </p:childTnLst>
+                                </p:cTn>
+                              </p:par>
+                            </p:childTnLst>
+                          </p:cTn>
+                        </p:par>
+                      </p:childTnLst>
+                    </p:cTn>
+                  </p:par>
+                  <p:par>
+                    <p:cTn id="11" fill="hold">
+                      <p:stCondLst>
+                        <p:cond delay="indefinite"/>
+                      </p:stCondLst>
+                      <p:childTnLst>
+                        <p:par>
+                          <p:cTn id="12" fill="hold">
+                            <p:stCondLst>
+                              <p:cond delay="0"/>
+                            </p:stCondLst>
+                            <p:childTnLst>
+                              <p:par>
+                                <p:cTn id="13" presetID="1" presetClass="entr" presetSubtype="0" fill="hold" nodeType="clickEffect">
+                                  <p:stCondLst>
+                                    <p:cond delay="0"/>
+                                  </p:stCondLst>
+                                  <p:childTnLst>
+                                    <p:set>
+                                      <p:cBhvr>
+                                        <p:cTn id="14" dur="1" fill="hold">
+                                          <p:stCondLst>
+                                            <p:cond delay="0"/>
+                                          </p:stCondLst>
+                                        </p:cTn>
+                                        <p:tgtEl>
+                                          <p:spTgt spid="7">
+                                            <p:txEl>
+                                              <p:pRg st="2" end="2"/>
+                                            </p:txEl>
+                                          </p:spTgt>
+                                        </p:tgtEl>
+                                        <p:attrNameLst>
+                                          <p:attrName>style.visibility</p:attrName>
+                                        </p:attrNameLst>
+                                      </p:cBhvr>
+                                      <p:to>
+                                        <p:strVal val="visible"/>
+                                      </p:to>
+                                    </p:set>
+                                  </p:childTnLst>
+                                </p:cTn>
+                              </p:par>
+                            </p:childTnLst>
+                          </p:cTn>
+                        </p:par>
+                      </p:childTnLst>
+                    </p:cTn>
+                  </p:par>
+                  <p:par>
+                    <p:cTn id="15" fill="hold">
+                      <p:stCondLst>
+                        <p:cond delay="indefinite"/>
+                      </p:stCondLst>
+                      <p:childTnLst>
+                        <p:par>
+                          <p:cTn id="16" fill="hold">
+                            <p:stCondLst>
+                              <p:cond delay="0"/>
+                            </p:stCondLst>
+                            <p:childTnLst>
+                              <p:par>
+                                <p:cTn id="17" presetID="1" presetClass="entr" presetSubtype="0" fill="hold" nodeType="clickEffect">
+                                  <p:stCondLst>
+                                    <p:cond delay="0"/>
+                                  </p:stCondLst>
+                                  <p:childTnLst>
+                                    <p:set>
+                                      <p:cBhvr>
+                                        <p:cTn id="18" dur="1" fill="hold">
+                                          <p:stCondLst>
+                                            <p:cond delay="0"/>
+                                          </p:stCondLst>
+                                        </p:cTn>
+                                        <p:tgtEl>
+                                          <p:spTgt spid="7">
+                                            <p:txEl>
+                                              <p:pRg st="3" end="3"/>
+                                            </p:txEl>
+                                          </p:spTgt>
+                                        </p:tgtEl>
+                                        <p:attrNameLst>
+                                          <p:attrName>style.visibility</p:attrName>
+                                        </p:attrNameLst>
+                                      </p:cBhvr>
+                                      <p:to>
+                                        <p:strVal val="visible"/>
+                                      </p:to>
+                                    </p:set>
+                                  </p:childTnLst>
+                                </p:cTn>
+                              </p:par>
+                            </p:childTnLst>
+                          </p:cTn>
+                        </p:par>
+                      </p:childTnLst>
+                    </p:cTn>
+                  </p:par>
+                  <p:par>
+                    <p:cTn id="19" fill="hold">
+                      <p:stCondLst>
+                        <p:cond delay="indefinite"/>
+                      </p:stCondLst>
+                      <p:childTnLst>
+                        <p:par>
+                          <p:cTn id="20" fill="hold">
+                            <p:stCondLst>
+                              <p:cond delay="0"/>
+                            </p:stCondLst>
+                            <p:childTnLst>
+                              <p:par>
+                                <p:cTn id="21" presetID="1" presetClass="entr" presetSubtype="0" fill="hold" nodeType="clickEffect">
+                                  <p:stCondLst>
+                                    <p:cond delay="0"/>
+                                  </p:stCondLst>
+                                  <p:childTnLst>
+                                    <p:set>
+                                      <p:cBhvr>
+                                        <p:cTn id="22" dur="1" fill="hold">
+                                          <p:stCondLst>
+                                            <p:cond delay="0"/>
+                                          </p:stCondLst>
+                                        </p:cTn>
+                                        <p:tgtEl>
+                                          <p:spTgt spid="7">
+                                            <p:txEl>
+                                              <p:pRg st="4" end="4"/>
+                                            </p:txEl>
+                                          </p:spTgt>
+                                        </p:tgtEl>
+                                        <p:attrNameLst>
+                                          <p:attrName>style.visibility</p:attrName>
+                                        </p:attrNameLst>
+                                      </p:cBhvr>
+                                      <p:to>
+                                        <p:strVal val="visible"/>
+                                      </p:to>
+                                    </p:set>
+                                  </p:childTnLst>
+                                </p:cTn>
+                              </p:par>
+                            </p:childTnLst>
+                          </p:cTn>
+                        </p:par>
+                      </p:childTnLst>
+                    </p:cTn>
+                  </p:par>
+                  <p:par>
+                    <p:cTn id="23" fill="hold">
+                      <p:stCondLst>
+                        <p:cond delay="indefinite"/>
+                      </p:stCondLst>
+                      <p:childTnLst>
+                        <p:par>
+                          <p:cTn id="24" fill="hold">
+                            <p:stCondLst>
+                              <p:cond delay="0"/>
+                            </p:stCondLst>
+                            <p:childTnLst>
+                              <p:par>
+                                <p:cTn id="25" presetID="1" presetClass="entr" presetSubtype="0" fill="hold" nodeType="clickEffect">
+                                  <p:stCondLst>
+                                    <p:cond delay="0"/>
+                                  </p:stCondLst>
+                                  <p:childTnLst>
+                                    <p:set>
+                                      <p:cBhvr>
+                                        <p:cTn id="26" dur="1" fill="hold">
+                                          <p:stCondLst>
+                                            <p:cond delay="0"/>
+                                          </p:stCondLst>
+                                        </p:cTn>
+                                        <p:tgtEl>
+                                          <p:spTgt spid="7">
+                                            <p:txEl>
+                                              <p:pRg st="5" end="5"/>
+                                            </p:txEl>
+                                          </p:spTgt>
+                                        </p:tgtEl>
+                                        <p:attrNameLst>
+                                          <p:attrName>style.visibility</p:attrName>
+                                        </p:attrNameLst>
+                                      </p:cBhvr>
+                                      <p:to>
+                                        <p:strVal val="visible"/>
+                                      </p:to>
+                                    </p:set>
+                                  </p:childTnLst>
+                                </p:cTn>
+                              </p:par>
+                            </p:childTnLst>
+                          </p:cTn>
+                        </p:par>
+                      </p:childTnLst>
+                    </p:cTn>
+                  </p:par>
+                  <p:par>
+                    <p:cTn id="27" fill="hold">
+                      <p:stCondLst>
+                        <p:cond delay="indefinite"/>
+                      </p:stCondLst>
+                      <p:childTnLst>
+                        <p:par>
+                          <p:cTn id="28" fill="hold">
+                            <p:stCondLst>
+                              <p:cond delay="0"/>
+                            </p:stCondLst>
+                            <p:childTnLst>
+                              <p:par>
+                                <p:cTn id="29" presetID="1" presetClass="entr" presetSubtype="0" fill="hold" nodeType="clickEffect">
+                                  <p:stCondLst>
+                                    <p:cond delay="0"/>
+                                  </p:stCondLst>
+                                  <p:childTnLst>
+                                    <p:set>
+                                      <p:cBhvr>
+                                        <p:cTn id="30" dur="1" fill="hold">
+                                          <p:stCondLst>
+                                            <p:cond delay="0"/>
+                                          </p:stCondLst>
+                                        </p:cTn>
+                                        <p:tgtEl>
+                                          <p:spTgt spid="7">
+                                            <p:txEl>
+                                              <p:pRg st="6" end="6"/>
+                                            </p:txEl>
+                                          </p:spTgt>
+                                        </p:tgtEl>
+                                        <p:attrNameLst>
+                                          <p:attrName>style.visibility</p:attrName>
+                                        </p:attrNameLst>
+                                      </p:cBhvr>
+                                      <p:to>
+                                        <p:strVal val="visible"/>
+                                      </p:to>
+                                    </p:set>
+                                  </p:childTnLst>
+                                </p:cTn>
+                              </p:par>
+                            </p:childTnLst>
+                          </p:cTn>
+                        </p:par>
+                      </p:childTnLst>
+                    </p:cTn>
+                  </p:par>
+                </p:childTnLst>
+              </p:cTn>
+              <p:prevCondLst>
+                <p:cond evt="onPrev" delay="0">
+                  <p:tgtEl>
+                    <p:sldTgt/>
+                  </p:tgtEl>
+                </p:cond>
+              </p:prevCondLst>
+              <p:nextCondLst>
+                <p:cond evt="onNext" delay="0">
+                  <p:tgtEl>
+                    <p:sldTgt/>
+                  </p:tgtEl>
+                </p:cond>
+              </p:nextCondLst>
+            </p:seq>
+          </p:childTnLst>
+        </p:cTn>
+      </p:par>
+    </p:tnLst>
+  </p:timing>
 </p:sld>
 </file>
 
@@ -3818,7 +4194,7 @@
         </p:nvSpPr>
         <p:spPr>
           <a:xfrm>
-            <a:off x="988698" y="1796854"/>
+            <a:off x="1219926" y="1471034"/>
             <a:ext cx="6866431" cy="3041730"/>
           </a:xfrm>
           <a:prstGeom prst="rect">
@@ -3893,6 +4269,36 @@
           </a:p>
         </p:txBody>
       </p:sp>
+      <p:pic>
+        <p:nvPicPr>
+          <p:cNvPr id="3" name="Picture 2" descr="Graphical user interface, text, application, email&#10;&#10;Description automatically generated">
+            <a:extLst>
+              <a:ext uri="{FF2B5EF4-FFF2-40B4-BE49-F238E27FC236}">
+                <a16:creationId xmlns:a16="http://schemas.microsoft.com/office/drawing/2014/main" id="{8E60FCAE-4527-940D-9BDA-1F7E1E68D95E}"/>
+              </a:ext>
+            </a:extLst>
+          </p:cNvPr>
+          <p:cNvPicPr>
+            <a:picLocks noChangeAspect="1"/>
+          </p:cNvPicPr>
+          <p:nvPr/>
+        </p:nvPicPr>
+        <p:blipFill>
+          <a:blip r:embed="rId3"/>
+          <a:stretch>
+            <a:fillRect/>
+          </a:stretch>
+        </p:blipFill>
+        <p:spPr>
+          <a:xfrm>
+            <a:off x="5686097" y="2525777"/>
+            <a:ext cx="5486399" cy="4229675"/>
+          </a:xfrm>
+          <a:prstGeom prst="rect">
+            <a:avLst/>
+          </a:prstGeom>
+        </p:spPr>
+      </p:pic>
     </p:spTree>
     <p:extLst>
       <p:ext uri="{BB962C8B-B14F-4D97-AF65-F5344CB8AC3E}">
@@ -3903,6 +4309,1595 @@
   <p:clrMapOvr>
     <a:masterClrMapping/>
   </p:clrMapOvr>
+</p:sld>
+</file>
+
+<file path=ppt/slides/slide5.xml><?xml version="1.0" encoding="utf-8"?>
+<p:sld xmlns:a="http://schemas.openxmlformats.org/drawingml/2006/main" xmlns:r="http://schemas.openxmlformats.org/officeDocument/2006/relationships" xmlns:p="http://schemas.openxmlformats.org/presentationml/2006/main">
+  <p:cSld>
+    <p:spTree>
+      <p:nvGrpSpPr>
+        <p:cNvPr id="1" name=""/>
+        <p:cNvGrpSpPr/>
+        <p:nvPr/>
+      </p:nvGrpSpPr>
+      <p:grpSpPr>
+        <a:xfrm>
+          <a:off x="0" y="0"/>
+          <a:ext cx="0" cy="0"/>
+          <a:chOff x="0" y="0"/>
+          <a:chExt cx="0" cy="0"/>
+        </a:xfrm>
+      </p:grpSpPr>
+      <p:sp>
+        <p:nvSpPr>
+          <p:cNvPr id="6" name="TextBox 5">
+            <a:extLst>
+              <a:ext uri="{FF2B5EF4-FFF2-40B4-BE49-F238E27FC236}">
+                <a16:creationId xmlns:a16="http://schemas.microsoft.com/office/drawing/2014/main" id="{674B3E85-279C-3438-FA92-39D470211CC3}"/>
+              </a:ext>
+            </a:extLst>
+          </p:cNvPr>
+          <p:cNvSpPr txBox="1"/>
+          <p:nvPr/>
+        </p:nvSpPr>
+        <p:spPr>
+          <a:xfrm>
+            <a:off x="4119823" y="367863"/>
+            <a:ext cx="3952364" cy="769441"/>
+          </a:xfrm>
+          <a:prstGeom prst="rect">
+            <a:avLst/>
+          </a:prstGeom>
+          <a:noFill/>
+        </p:spPr>
+        <p:txBody>
+          <a:bodyPr wrap="none" rtlCol="0">
+            <a:spAutoFit/>
+          </a:bodyPr>
+          <a:lstStyle/>
+          <a:p>
+            <a:pPr algn="ctr"/>
+            <a:r>
+              <a:rPr lang="en-DE" sz="4400" b="1" dirty="0">
+                <a:solidFill>
+                  <a:srgbClr val="0070C0"/>
+                </a:solidFill>
+              </a:rPr>
+              <a:t>Mastering Shiny</a:t>
+            </a:r>
+          </a:p>
+        </p:txBody>
+      </p:sp>
+      <p:sp>
+        <p:nvSpPr>
+          <p:cNvPr id="7" name="TextBox 6">
+            <a:extLst>
+              <a:ext uri="{FF2B5EF4-FFF2-40B4-BE49-F238E27FC236}">
+                <a16:creationId xmlns:a16="http://schemas.microsoft.com/office/drawing/2014/main" id="{A08793F8-01AA-95A8-FEA6-1CAF2747F208}"/>
+              </a:ext>
+            </a:extLst>
+          </p:cNvPr>
+          <p:cNvSpPr txBox="1"/>
+          <p:nvPr/>
+        </p:nvSpPr>
+        <p:spPr>
+          <a:xfrm>
+            <a:off x="757471" y="1796854"/>
+            <a:ext cx="6565580" cy="3539430"/>
+          </a:xfrm>
+          <a:prstGeom prst="rect">
+            <a:avLst/>
+          </a:prstGeom>
+          <a:noFill/>
+        </p:spPr>
+        <p:txBody>
+          <a:bodyPr wrap="none" rtlCol="0">
+            <a:spAutoFit/>
+          </a:bodyPr>
+          <a:lstStyle/>
+          <a:p>
+            <a:pPr marL="514350" indent="-514350">
+              <a:buFont typeface="+mj-lt"/>
+              <a:buAutoNum type="arabicPeriod"/>
+            </a:pPr>
+            <a:r>
+              <a:rPr lang="en-GB" sz="2800" b="1" dirty="0">
+                <a:solidFill>
+                  <a:srgbClr val="0070C0"/>
+                </a:solidFill>
+              </a:rPr>
+              <a:t>Getting started (1-4)</a:t>
+            </a:r>
+          </a:p>
+          <a:p>
+            <a:pPr marL="971550" lvl="1" indent="-514350">
+              <a:buFont typeface="Arial" panose="020B0604020202020204" pitchFamily="34" charset="0"/>
+              <a:buChar char="•"/>
+            </a:pPr>
+            <a:r>
+              <a:rPr lang="en-GB" sz="2800" dirty="0"/>
+              <a:t>Basics, UI, server</a:t>
+            </a:r>
+          </a:p>
+          <a:p>
+            <a:pPr marL="514350" indent="-514350">
+              <a:buFont typeface="+mj-lt"/>
+              <a:buAutoNum type="arabicPeriod"/>
+            </a:pPr>
+            <a:r>
+              <a:rPr lang="en-GB" sz="2800" b="1" dirty="0">
+                <a:solidFill>
+                  <a:srgbClr val="0070C0"/>
+                </a:solidFill>
+              </a:rPr>
+              <a:t>Shiny in action (5-12)</a:t>
+            </a:r>
+          </a:p>
+          <a:p>
+            <a:pPr marL="971550" lvl="1" indent="-514350">
+              <a:buFont typeface="Arial" panose="020B0604020202020204" pitchFamily="34" charset="0"/>
+              <a:buChar char="•"/>
+            </a:pPr>
+            <a:r>
+              <a:rPr lang="en-GB" sz="2800" dirty="0"/>
+              <a:t>Build on basics</a:t>
+            </a:r>
+          </a:p>
+          <a:p>
+            <a:pPr marL="514350" indent="-514350">
+              <a:buFont typeface="+mj-lt"/>
+              <a:buAutoNum type="arabicPeriod"/>
+            </a:pPr>
+            <a:r>
+              <a:rPr lang="en-GB" sz="2800" b="1" dirty="0">
+                <a:solidFill>
+                  <a:srgbClr val="0070C0"/>
+                </a:solidFill>
+              </a:rPr>
+              <a:t>Mastering Reactivity (13-16)</a:t>
+            </a:r>
+          </a:p>
+          <a:p>
+            <a:pPr marL="971550" lvl="1" indent="-514350">
+              <a:buFont typeface="Arial" panose="020B0604020202020204" pitchFamily="34" charset="0"/>
+              <a:buChar char="•"/>
+            </a:pPr>
+            <a:r>
+              <a:rPr lang="en-GB" sz="2800" dirty="0"/>
+              <a:t>Advanced reactive programming</a:t>
+            </a:r>
+          </a:p>
+          <a:p>
+            <a:pPr marL="514350" indent="-514350">
+              <a:buFont typeface="+mj-lt"/>
+              <a:buAutoNum type="arabicPeriod"/>
+            </a:pPr>
+            <a:r>
+              <a:rPr lang="en-GB" sz="2800" b="1" i="0" u="none" strike="noStrike" dirty="0">
+                <a:solidFill>
+                  <a:srgbClr val="0070C0"/>
+                </a:solidFill>
+                <a:effectLst/>
+                <a:latin typeface="-apple-system"/>
+              </a:rPr>
+              <a:t>Best practices (17-23)</a:t>
+            </a:r>
+          </a:p>
+          <a:p>
+            <a:pPr marL="971550" lvl="1" indent="-514350">
+              <a:buFont typeface="Arial" panose="020B0604020202020204" pitchFamily="34" charset="0"/>
+              <a:buChar char="•"/>
+            </a:pPr>
+            <a:r>
+              <a:rPr lang="en-GB" sz="2800" dirty="0">
+                <a:latin typeface="-apple-system"/>
+              </a:rPr>
+              <a:t>Useful tips for production ready apps</a:t>
+            </a:r>
+            <a:endParaRPr lang="en-GB" sz="2800" dirty="0"/>
+          </a:p>
+        </p:txBody>
+      </p:sp>
+      <p:pic>
+        <p:nvPicPr>
+          <p:cNvPr id="2" name="Picture 1">
+            <a:extLst>
+              <a:ext uri="{FF2B5EF4-FFF2-40B4-BE49-F238E27FC236}">
+                <a16:creationId xmlns:a16="http://schemas.microsoft.com/office/drawing/2014/main" id="{832C1635-3D7E-5011-FA7D-BC9B3DF68643}"/>
+              </a:ext>
+            </a:extLst>
+          </p:cNvPr>
+          <p:cNvPicPr>
+            <a:picLocks noChangeAspect="1"/>
+          </p:cNvPicPr>
+          <p:nvPr/>
+        </p:nvPicPr>
+        <p:blipFill>
+          <a:blip r:embed="rId2"/>
+          <a:stretch>
+            <a:fillRect/>
+          </a:stretch>
+        </p:blipFill>
+        <p:spPr>
+          <a:xfrm>
+            <a:off x="8734096" y="1796854"/>
+            <a:ext cx="3048000" cy="3987800"/>
+          </a:xfrm>
+          <a:prstGeom prst="rect">
+            <a:avLst/>
+          </a:prstGeom>
+        </p:spPr>
+      </p:pic>
+      <p:sp>
+        <p:nvSpPr>
+          <p:cNvPr id="4" name="TextBox 3">
+            <a:extLst>
+              <a:ext uri="{FF2B5EF4-FFF2-40B4-BE49-F238E27FC236}">
+                <a16:creationId xmlns:a16="http://schemas.microsoft.com/office/drawing/2014/main" id="{7FAC04E1-22C8-906F-355E-B2A0C0853A6E}"/>
+              </a:ext>
+            </a:extLst>
+          </p:cNvPr>
+          <p:cNvSpPr txBox="1"/>
+          <p:nvPr/>
+        </p:nvSpPr>
+        <p:spPr>
+          <a:xfrm>
+            <a:off x="8072187" y="5921392"/>
+            <a:ext cx="3952364" cy="568745"/>
+          </a:xfrm>
+          <a:prstGeom prst="rect">
+            <a:avLst/>
+          </a:prstGeom>
+          <a:noFill/>
+        </p:spPr>
+        <p:txBody>
+          <a:bodyPr wrap="square">
+            <a:spAutoFit/>
+          </a:bodyPr>
+          <a:lstStyle/>
+          <a:p>
+            <a:pPr>
+              <a:lnSpc>
+                <a:spcPct val="200000"/>
+              </a:lnSpc>
+            </a:pPr>
+            <a:r>
+              <a:rPr lang="en-GB" sz="1800" b="1" dirty="0">
+                <a:solidFill>
+                  <a:srgbClr val="0070C0"/>
+                </a:solidFill>
+              </a:rPr>
+              <a:t>https://mastering-</a:t>
+            </a:r>
+            <a:r>
+              <a:rPr lang="en-GB" sz="1800" b="1" dirty="0" err="1">
+                <a:solidFill>
+                  <a:srgbClr val="0070C0"/>
+                </a:solidFill>
+              </a:rPr>
+              <a:t>shiny.org</a:t>
+            </a:r>
+            <a:r>
+              <a:rPr lang="en-GB" sz="1800" b="1" dirty="0">
+                <a:solidFill>
+                  <a:srgbClr val="0070C0"/>
+                </a:solidFill>
+              </a:rPr>
+              <a:t>/</a:t>
+            </a:r>
+            <a:r>
+              <a:rPr lang="en-GB" sz="1800" b="1" dirty="0" err="1">
+                <a:solidFill>
+                  <a:srgbClr val="0070C0"/>
+                </a:solidFill>
+              </a:rPr>
+              <a:t>index.html</a:t>
+            </a:r>
+            <a:r>
+              <a:rPr lang="en-GB" sz="1800" b="1" dirty="0">
+                <a:solidFill>
+                  <a:srgbClr val="0070C0"/>
+                </a:solidFill>
+              </a:rPr>
+              <a:t> </a:t>
+            </a:r>
+          </a:p>
+        </p:txBody>
+      </p:sp>
+    </p:spTree>
+    <p:extLst>
+      <p:ext uri="{BB962C8B-B14F-4D97-AF65-F5344CB8AC3E}">
+        <p14:creationId xmlns:p14="http://schemas.microsoft.com/office/powerpoint/2010/main" val="1116504661"/>
+      </p:ext>
+    </p:extLst>
+  </p:cSld>
+  <p:clrMapOvr>
+    <a:masterClrMapping/>
+  </p:clrMapOvr>
+  <p:timing>
+    <p:tnLst>
+      <p:par>
+        <p:cTn id="1" dur="indefinite" restart="never" nodeType="tmRoot">
+          <p:childTnLst>
+            <p:seq concurrent="1" nextAc="seek">
+              <p:cTn id="2" dur="indefinite" nodeType="mainSeq">
+                <p:childTnLst>
+                  <p:par>
+                    <p:cTn id="3" fill="hold">
+                      <p:stCondLst>
+                        <p:cond delay="indefinite"/>
+                      </p:stCondLst>
+                      <p:childTnLst>
+                        <p:par>
+                          <p:cTn id="4" fill="hold">
+                            <p:stCondLst>
+                              <p:cond delay="0"/>
+                            </p:stCondLst>
+                            <p:childTnLst>
+                              <p:par>
+                                <p:cTn id="5" presetID="1" presetClass="entr" presetSubtype="0" fill="hold" nodeType="clickEffect">
+                                  <p:stCondLst>
+                                    <p:cond delay="0"/>
+                                  </p:stCondLst>
+                                  <p:childTnLst>
+                                    <p:set>
+                                      <p:cBhvr>
+                                        <p:cTn id="6" dur="1" fill="hold">
+                                          <p:stCondLst>
+                                            <p:cond delay="0"/>
+                                          </p:stCondLst>
+                                        </p:cTn>
+                                        <p:tgtEl>
+                                          <p:spTgt spid="7">
+                                            <p:txEl>
+                                              <p:pRg st="0" end="0"/>
+                                            </p:txEl>
+                                          </p:spTgt>
+                                        </p:tgtEl>
+                                        <p:attrNameLst>
+                                          <p:attrName>style.visibility</p:attrName>
+                                        </p:attrNameLst>
+                                      </p:cBhvr>
+                                      <p:to>
+                                        <p:strVal val="visible"/>
+                                      </p:to>
+                                    </p:set>
+                                  </p:childTnLst>
+                                </p:cTn>
+                              </p:par>
+                              <p:par>
+                                <p:cTn id="7" presetID="1" presetClass="entr" presetSubtype="0" fill="hold" nodeType="withEffect">
+                                  <p:stCondLst>
+                                    <p:cond delay="0"/>
+                                  </p:stCondLst>
+                                  <p:childTnLst>
+                                    <p:set>
+                                      <p:cBhvr>
+                                        <p:cTn id="8" dur="1" fill="hold">
+                                          <p:stCondLst>
+                                            <p:cond delay="0"/>
+                                          </p:stCondLst>
+                                        </p:cTn>
+                                        <p:tgtEl>
+                                          <p:spTgt spid="7">
+                                            <p:txEl>
+                                              <p:pRg st="1" end="1"/>
+                                            </p:txEl>
+                                          </p:spTgt>
+                                        </p:tgtEl>
+                                        <p:attrNameLst>
+                                          <p:attrName>style.visibility</p:attrName>
+                                        </p:attrNameLst>
+                                      </p:cBhvr>
+                                      <p:to>
+                                        <p:strVal val="visible"/>
+                                      </p:to>
+                                    </p:set>
+                                  </p:childTnLst>
+                                </p:cTn>
+                              </p:par>
+                            </p:childTnLst>
+                          </p:cTn>
+                        </p:par>
+                      </p:childTnLst>
+                    </p:cTn>
+                  </p:par>
+                  <p:par>
+                    <p:cTn id="9" fill="hold">
+                      <p:stCondLst>
+                        <p:cond delay="indefinite"/>
+                      </p:stCondLst>
+                      <p:childTnLst>
+                        <p:par>
+                          <p:cTn id="10" fill="hold">
+                            <p:stCondLst>
+                              <p:cond delay="0"/>
+                            </p:stCondLst>
+                            <p:childTnLst>
+                              <p:par>
+                                <p:cTn id="11" presetID="1" presetClass="entr" presetSubtype="0" fill="hold" nodeType="clickEffect">
+                                  <p:stCondLst>
+                                    <p:cond delay="0"/>
+                                  </p:stCondLst>
+                                  <p:childTnLst>
+                                    <p:set>
+                                      <p:cBhvr>
+                                        <p:cTn id="12" dur="1" fill="hold">
+                                          <p:stCondLst>
+                                            <p:cond delay="0"/>
+                                          </p:stCondLst>
+                                        </p:cTn>
+                                        <p:tgtEl>
+                                          <p:spTgt spid="7">
+                                            <p:txEl>
+                                              <p:pRg st="2" end="2"/>
+                                            </p:txEl>
+                                          </p:spTgt>
+                                        </p:tgtEl>
+                                        <p:attrNameLst>
+                                          <p:attrName>style.visibility</p:attrName>
+                                        </p:attrNameLst>
+                                      </p:cBhvr>
+                                      <p:to>
+                                        <p:strVal val="visible"/>
+                                      </p:to>
+                                    </p:set>
+                                  </p:childTnLst>
+                                </p:cTn>
+                              </p:par>
+                              <p:par>
+                                <p:cTn id="13" presetID="1" presetClass="entr" presetSubtype="0" fill="hold" nodeType="withEffect">
+                                  <p:stCondLst>
+                                    <p:cond delay="0"/>
+                                  </p:stCondLst>
+                                  <p:childTnLst>
+                                    <p:set>
+                                      <p:cBhvr>
+                                        <p:cTn id="14" dur="1" fill="hold">
+                                          <p:stCondLst>
+                                            <p:cond delay="0"/>
+                                          </p:stCondLst>
+                                        </p:cTn>
+                                        <p:tgtEl>
+                                          <p:spTgt spid="7">
+                                            <p:txEl>
+                                              <p:pRg st="3" end="3"/>
+                                            </p:txEl>
+                                          </p:spTgt>
+                                        </p:tgtEl>
+                                        <p:attrNameLst>
+                                          <p:attrName>style.visibility</p:attrName>
+                                        </p:attrNameLst>
+                                      </p:cBhvr>
+                                      <p:to>
+                                        <p:strVal val="visible"/>
+                                      </p:to>
+                                    </p:set>
+                                  </p:childTnLst>
+                                </p:cTn>
+                              </p:par>
+                            </p:childTnLst>
+                          </p:cTn>
+                        </p:par>
+                      </p:childTnLst>
+                    </p:cTn>
+                  </p:par>
+                  <p:par>
+                    <p:cTn id="15" fill="hold">
+                      <p:stCondLst>
+                        <p:cond delay="indefinite"/>
+                      </p:stCondLst>
+                      <p:childTnLst>
+                        <p:par>
+                          <p:cTn id="16" fill="hold">
+                            <p:stCondLst>
+                              <p:cond delay="0"/>
+                            </p:stCondLst>
+                            <p:childTnLst>
+                              <p:par>
+                                <p:cTn id="17" presetID="1" presetClass="entr" presetSubtype="0" fill="hold" nodeType="clickEffect">
+                                  <p:stCondLst>
+                                    <p:cond delay="0"/>
+                                  </p:stCondLst>
+                                  <p:childTnLst>
+                                    <p:set>
+                                      <p:cBhvr>
+                                        <p:cTn id="18" dur="1" fill="hold">
+                                          <p:stCondLst>
+                                            <p:cond delay="0"/>
+                                          </p:stCondLst>
+                                        </p:cTn>
+                                        <p:tgtEl>
+                                          <p:spTgt spid="7">
+                                            <p:txEl>
+                                              <p:pRg st="4" end="4"/>
+                                            </p:txEl>
+                                          </p:spTgt>
+                                        </p:tgtEl>
+                                        <p:attrNameLst>
+                                          <p:attrName>style.visibility</p:attrName>
+                                        </p:attrNameLst>
+                                      </p:cBhvr>
+                                      <p:to>
+                                        <p:strVal val="visible"/>
+                                      </p:to>
+                                    </p:set>
+                                  </p:childTnLst>
+                                </p:cTn>
+                              </p:par>
+                              <p:par>
+                                <p:cTn id="19" presetID="1" presetClass="entr" presetSubtype="0" fill="hold" nodeType="withEffect">
+                                  <p:stCondLst>
+                                    <p:cond delay="0"/>
+                                  </p:stCondLst>
+                                  <p:childTnLst>
+                                    <p:set>
+                                      <p:cBhvr>
+                                        <p:cTn id="20" dur="1" fill="hold">
+                                          <p:stCondLst>
+                                            <p:cond delay="0"/>
+                                          </p:stCondLst>
+                                        </p:cTn>
+                                        <p:tgtEl>
+                                          <p:spTgt spid="7">
+                                            <p:txEl>
+                                              <p:pRg st="5" end="5"/>
+                                            </p:txEl>
+                                          </p:spTgt>
+                                        </p:tgtEl>
+                                        <p:attrNameLst>
+                                          <p:attrName>style.visibility</p:attrName>
+                                        </p:attrNameLst>
+                                      </p:cBhvr>
+                                      <p:to>
+                                        <p:strVal val="visible"/>
+                                      </p:to>
+                                    </p:set>
+                                  </p:childTnLst>
+                                </p:cTn>
+                              </p:par>
+                            </p:childTnLst>
+                          </p:cTn>
+                        </p:par>
+                      </p:childTnLst>
+                    </p:cTn>
+                  </p:par>
+                  <p:par>
+                    <p:cTn id="21" fill="hold">
+                      <p:stCondLst>
+                        <p:cond delay="indefinite"/>
+                      </p:stCondLst>
+                      <p:childTnLst>
+                        <p:par>
+                          <p:cTn id="22" fill="hold">
+                            <p:stCondLst>
+                              <p:cond delay="0"/>
+                            </p:stCondLst>
+                            <p:childTnLst>
+                              <p:par>
+                                <p:cTn id="23" presetID="1" presetClass="entr" presetSubtype="0" fill="hold" nodeType="clickEffect">
+                                  <p:stCondLst>
+                                    <p:cond delay="0"/>
+                                  </p:stCondLst>
+                                  <p:childTnLst>
+                                    <p:set>
+                                      <p:cBhvr>
+                                        <p:cTn id="24" dur="1" fill="hold">
+                                          <p:stCondLst>
+                                            <p:cond delay="0"/>
+                                          </p:stCondLst>
+                                        </p:cTn>
+                                        <p:tgtEl>
+                                          <p:spTgt spid="7">
+                                            <p:txEl>
+                                              <p:pRg st="6" end="6"/>
+                                            </p:txEl>
+                                          </p:spTgt>
+                                        </p:tgtEl>
+                                        <p:attrNameLst>
+                                          <p:attrName>style.visibility</p:attrName>
+                                        </p:attrNameLst>
+                                      </p:cBhvr>
+                                      <p:to>
+                                        <p:strVal val="visible"/>
+                                      </p:to>
+                                    </p:set>
+                                  </p:childTnLst>
+                                </p:cTn>
+                              </p:par>
+                              <p:par>
+                                <p:cTn id="25" presetID="1" presetClass="entr" presetSubtype="0" fill="hold" nodeType="withEffect">
+                                  <p:stCondLst>
+                                    <p:cond delay="0"/>
+                                  </p:stCondLst>
+                                  <p:childTnLst>
+                                    <p:set>
+                                      <p:cBhvr>
+                                        <p:cTn id="26" dur="1" fill="hold">
+                                          <p:stCondLst>
+                                            <p:cond delay="0"/>
+                                          </p:stCondLst>
+                                        </p:cTn>
+                                        <p:tgtEl>
+                                          <p:spTgt spid="7">
+                                            <p:txEl>
+                                              <p:pRg st="7" end="7"/>
+                                            </p:txEl>
+                                          </p:spTgt>
+                                        </p:tgtEl>
+                                        <p:attrNameLst>
+                                          <p:attrName>style.visibility</p:attrName>
+                                        </p:attrNameLst>
+                                      </p:cBhvr>
+                                      <p:to>
+                                        <p:strVal val="visible"/>
+                                      </p:to>
+                                    </p:set>
+                                  </p:childTnLst>
+                                </p:cTn>
+                              </p:par>
+                            </p:childTnLst>
+                          </p:cTn>
+                        </p:par>
+                      </p:childTnLst>
+                    </p:cTn>
+                  </p:par>
+                </p:childTnLst>
+              </p:cTn>
+              <p:prevCondLst>
+                <p:cond evt="onPrev" delay="0">
+                  <p:tgtEl>
+                    <p:sldTgt/>
+                  </p:tgtEl>
+                </p:cond>
+              </p:prevCondLst>
+              <p:nextCondLst>
+                <p:cond evt="onNext" delay="0">
+                  <p:tgtEl>
+                    <p:sldTgt/>
+                  </p:tgtEl>
+                </p:cond>
+              </p:nextCondLst>
+            </p:seq>
+          </p:childTnLst>
+        </p:cTn>
+      </p:par>
+    </p:tnLst>
+  </p:timing>
+</p:sld>
+</file>
+
+<file path=ppt/slides/slide6.xml><?xml version="1.0" encoding="utf-8"?>
+<p:sld xmlns:a="http://schemas.openxmlformats.org/drawingml/2006/main" xmlns:r="http://schemas.openxmlformats.org/officeDocument/2006/relationships" xmlns:p="http://schemas.openxmlformats.org/presentationml/2006/main">
+  <p:cSld>
+    <p:spTree>
+      <p:nvGrpSpPr>
+        <p:cNvPr id="1" name=""/>
+        <p:cNvGrpSpPr/>
+        <p:nvPr/>
+      </p:nvGrpSpPr>
+      <p:grpSpPr>
+        <a:xfrm>
+          <a:off x="0" y="0"/>
+          <a:ext cx="0" cy="0"/>
+          <a:chOff x="0" y="0"/>
+          <a:chExt cx="0" cy="0"/>
+        </a:xfrm>
+      </p:grpSpPr>
+      <p:sp>
+        <p:nvSpPr>
+          <p:cNvPr id="6" name="TextBox 5">
+            <a:extLst>
+              <a:ext uri="{FF2B5EF4-FFF2-40B4-BE49-F238E27FC236}">
+                <a16:creationId xmlns:a16="http://schemas.microsoft.com/office/drawing/2014/main" id="{674B3E85-279C-3438-FA92-39D470211CC3}"/>
+              </a:ext>
+            </a:extLst>
+          </p:cNvPr>
+          <p:cNvSpPr txBox="1"/>
+          <p:nvPr/>
+        </p:nvSpPr>
+        <p:spPr>
+          <a:xfrm>
+            <a:off x="3921662" y="367863"/>
+            <a:ext cx="4348691" cy="769441"/>
+          </a:xfrm>
+          <a:prstGeom prst="rect">
+            <a:avLst/>
+          </a:prstGeom>
+          <a:noFill/>
+        </p:spPr>
+        <p:txBody>
+          <a:bodyPr wrap="none" rtlCol="0">
+            <a:spAutoFit/>
+          </a:bodyPr>
+          <a:lstStyle/>
+          <a:p>
+            <a:pPr algn="ctr"/>
+            <a:r>
+              <a:rPr lang="en-DE" sz="4400" b="1" dirty="0">
+                <a:solidFill>
+                  <a:srgbClr val="0070C0"/>
+                </a:solidFill>
+              </a:rPr>
+              <a:t>Meetup Structure</a:t>
+            </a:r>
+          </a:p>
+        </p:txBody>
+      </p:sp>
+      <p:sp>
+        <p:nvSpPr>
+          <p:cNvPr id="7" name="TextBox 6">
+            <a:extLst>
+              <a:ext uri="{FF2B5EF4-FFF2-40B4-BE49-F238E27FC236}">
+                <a16:creationId xmlns:a16="http://schemas.microsoft.com/office/drawing/2014/main" id="{A08793F8-01AA-95A8-FEA6-1CAF2747F208}"/>
+              </a:ext>
+            </a:extLst>
+          </p:cNvPr>
+          <p:cNvSpPr txBox="1"/>
+          <p:nvPr/>
+        </p:nvSpPr>
+        <p:spPr>
+          <a:xfrm>
+            <a:off x="925637" y="1597157"/>
+            <a:ext cx="8554008" cy="4401205"/>
+          </a:xfrm>
+          <a:prstGeom prst="rect">
+            <a:avLst/>
+          </a:prstGeom>
+          <a:noFill/>
+        </p:spPr>
+        <p:txBody>
+          <a:bodyPr wrap="none" rtlCol="0">
+            <a:spAutoFit/>
+          </a:bodyPr>
+          <a:lstStyle/>
+          <a:p>
+            <a:pPr marL="514350" indent="-514350">
+              <a:buFont typeface="+mj-lt"/>
+              <a:buAutoNum type="arabicPeriod"/>
+            </a:pPr>
+            <a:r>
+              <a:rPr lang="en-GB" sz="2800" b="1" dirty="0">
+                <a:solidFill>
+                  <a:srgbClr val="0070C0"/>
+                </a:solidFill>
+              </a:rPr>
+              <a:t>Start with ”Mastering Shiny”</a:t>
+            </a:r>
+          </a:p>
+          <a:p>
+            <a:pPr marL="971550" lvl="1" indent="-514350">
+              <a:buFont typeface="Arial" panose="020B0604020202020204" pitchFamily="34" charset="0"/>
+              <a:buChar char="•"/>
+            </a:pPr>
+            <a:r>
+              <a:rPr lang="en-GB" sz="2800" dirty="0"/>
+              <a:t>Get to know the basics of Shiny app development.</a:t>
+            </a:r>
+          </a:p>
+          <a:p>
+            <a:pPr marL="971550" lvl="1" indent="-514350">
+              <a:buFont typeface="Arial" panose="020B0604020202020204" pitchFamily="34" charset="0"/>
+              <a:buChar char="•"/>
+            </a:pPr>
+            <a:r>
+              <a:rPr lang="en-GB" sz="2800" dirty="0"/>
+              <a:t>Exercises</a:t>
+            </a:r>
+          </a:p>
+          <a:p>
+            <a:pPr marL="514350" indent="-514350">
+              <a:buFont typeface="+mj-lt"/>
+              <a:buAutoNum type="arabicPeriod"/>
+            </a:pPr>
+            <a:r>
+              <a:rPr lang="en-GB" sz="2800" b="1" dirty="0">
+                <a:solidFill>
+                  <a:srgbClr val="0070C0"/>
+                </a:solidFill>
+              </a:rPr>
+              <a:t>Develop small apps as we go to learn:</a:t>
+            </a:r>
+          </a:p>
+          <a:p>
+            <a:pPr marL="971550" lvl="1" indent="-514350">
+              <a:buFont typeface="Arial" panose="020B0604020202020204" pitchFamily="34" charset="0"/>
+              <a:buChar char="•"/>
+            </a:pPr>
+            <a:r>
+              <a:rPr lang="en-GB" sz="2800" dirty="0"/>
+              <a:t>UI</a:t>
+            </a:r>
+          </a:p>
+          <a:p>
+            <a:pPr marL="971550" lvl="1" indent="-514350">
+              <a:buFont typeface="Arial" panose="020B0604020202020204" pitchFamily="34" charset="0"/>
+              <a:buChar char="•"/>
+            </a:pPr>
+            <a:r>
+              <a:rPr lang="en-GB" sz="2800" dirty="0"/>
+              <a:t>Server</a:t>
+            </a:r>
+          </a:p>
+          <a:p>
+            <a:pPr marL="971550" lvl="1" indent="-514350">
+              <a:buFont typeface="Arial" panose="020B0604020202020204" pitchFamily="34" charset="0"/>
+              <a:buChar char="•"/>
+            </a:pPr>
+            <a:r>
+              <a:rPr lang="en-GB" sz="2800" dirty="0"/>
+              <a:t>Reactivity</a:t>
+            </a:r>
+          </a:p>
+          <a:p>
+            <a:pPr marL="514350" indent="-514350">
+              <a:buFont typeface="+mj-lt"/>
+              <a:buAutoNum type="arabicPeriod"/>
+            </a:pPr>
+            <a:r>
+              <a:rPr lang="en-GB" sz="2800" b="1" dirty="0">
+                <a:solidFill>
+                  <a:srgbClr val="0070C0"/>
+                </a:solidFill>
+              </a:rPr>
+              <a:t>Learn about useful information related to Shiny apps</a:t>
+            </a:r>
+          </a:p>
+          <a:p>
+            <a:pPr marL="971550" lvl="1" indent="-514350">
+              <a:buFont typeface="Arial" panose="020B0604020202020204" pitchFamily="34" charset="0"/>
+              <a:buChar char="•"/>
+            </a:pPr>
+            <a:r>
+              <a:rPr lang="en-GB" sz="2800" dirty="0"/>
+              <a:t>UI packages, how to host apps etc.</a:t>
+            </a:r>
+          </a:p>
+          <a:p>
+            <a:pPr marL="514350" indent="-514350">
+              <a:buFont typeface="+mj-lt"/>
+              <a:buAutoNum type="arabicPeriod"/>
+            </a:pPr>
+            <a:r>
+              <a:rPr lang="en-GB" sz="2800" b="1" dirty="0">
+                <a:solidFill>
+                  <a:srgbClr val="0070C0"/>
+                </a:solidFill>
+              </a:rPr>
+              <a:t>Develop more complex apps</a:t>
+            </a:r>
+          </a:p>
+        </p:txBody>
+      </p:sp>
+      <p:sp>
+        <p:nvSpPr>
+          <p:cNvPr id="3" name="TextBox 2">
+            <a:extLst>
+              <a:ext uri="{FF2B5EF4-FFF2-40B4-BE49-F238E27FC236}">
+                <a16:creationId xmlns:a16="http://schemas.microsoft.com/office/drawing/2014/main" id="{C63AB2D6-A355-A0CD-1C75-97F780E1EF4F}"/>
+              </a:ext>
+            </a:extLst>
+          </p:cNvPr>
+          <p:cNvSpPr txBox="1"/>
+          <p:nvPr/>
+        </p:nvSpPr>
+        <p:spPr>
+          <a:xfrm>
+            <a:off x="7250857" y="2806317"/>
+            <a:ext cx="1545616" cy="646331"/>
+          </a:xfrm>
+          <a:prstGeom prst="rect">
+            <a:avLst/>
+          </a:prstGeom>
+          <a:noFill/>
+        </p:spPr>
+        <p:txBody>
+          <a:bodyPr wrap="none" rtlCol="0">
+            <a:spAutoFit/>
+          </a:bodyPr>
+          <a:lstStyle/>
+          <a:p>
+            <a:r>
+              <a:rPr lang="en-DE" sz="3600" b="1" dirty="0">
+                <a:solidFill>
+                  <a:srgbClr val="FF0000"/>
+                </a:solidFill>
+              </a:rPr>
+              <a:t>When?</a:t>
+            </a:r>
+          </a:p>
+        </p:txBody>
+      </p:sp>
+    </p:spTree>
+    <p:extLst>
+      <p:ext uri="{BB962C8B-B14F-4D97-AF65-F5344CB8AC3E}">
+        <p14:creationId xmlns:p14="http://schemas.microsoft.com/office/powerpoint/2010/main" val="3594284862"/>
+      </p:ext>
+    </p:extLst>
+  </p:cSld>
+  <p:clrMapOvr>
+    <a:masterClrMapping/>
+  </p:clrMapOvr>
+  <p:timing>
+    <p:tnLst>
+      <p:par>
+        <p:cTn id="1" dur="indefinite" restart="never" nodeType="tmRoot">
+          <p:childTnLst>
+            <p:seq concurrent="1" nextAc="seek">
+              <p:cTn id="2" dur="indefinite" nodeType="mainSeq">
+                <p:childTnLst>
+                  <p:par>
+                    <p:cTn id="3" fill="hold">
+                      <p:stCondLst>
+                        <p:cond delay="indefinite"/>
+                      </p:stCondLst>
+                      <p:childTnLst>
+                        <p:par>
+                          <p:cTn id="4" fill="hold">
+                            <p:stCondLst>
+                              <p:cond delay="0"/>
+                            </p:stCondLst>
+                            <p:childTnLst>
+                              <p:par>
+                                <p:cTn id="5" presetID="1" presetClass="entr" presetSubtype="0" fill="hold" nodeType="clickEffect">
+                                  <p:stCondLst>
+                                    <p:cond delay="0"/>
+                                  </p:stCondLst>
+                                  <p:childTnLst>
+                                    <p:set>
+                                      <p:cBhvr>
+                                        <p:cTn id="6" dur="1" fill="hold">
+                                          <p:stCondLst>
+                                            <p:cond delay="0"/>
+                                          </p:stCondLst>
+                                        </p:cTn>
+                                        <p:tgtEl>
+                                          <p:spTgt spid="7">
+                                            <p:txEl>
+                                              <p:pRg st="0" end="0"/>
+                                            </p:txEl>
+                                          </p:spTgt>
+                                        </p:tgtEl>
+                                        <p:attrNameLst>
+                                          <p:attrName>style.visibility</p:attrName>
+                                        </p:attrNameLst>
+                                      </p:cBhvr>
+                                      <p:to>
+                                        <p:strVal val="visible"/>
+                                      </p:to>
+                                    </p:set>
+                                  </p:childTnLst>
+                                </p:cTn>
+                              </p:par>
+                              <p:par>
+                                <p:cTn id="7" presetID="1" presetClass="entr" presetSubtype="0" fill="hold" nodeType="withEffect">
+                                  <p:stCondLst>
+                                    <p:cond delay="0"/>
+                                  </p:stCondLst>
+                                  <p:childTnLst>
+                                    <p:set>
+                                      <p:cBhvr>
+                                        <p:cTn id="8" dur="1" fill="hold">
+                                          <p:stCondLst>
+                                            <p:cond delay="0"/>
+                                          </p:stCondLst>
+                                        </p:cTn>
+                                        <p:tgtEl>
+                                          <p:spTgt spid="7">
+                                            <p:txEl>
+                                              <p:pRg st="1" end="1"/>
+                                            </p:txEl>
+                                          </p:spTgt>
+                                        </p:tgtEl>
+                                        <p:attrNameLst>
+                                          <p:attrName>style.visibility</p:attrName>
+                                        </p:attrNameLst>
+                                      </p:cBhvr>
+                                      <p:to>
+                                        <p:strVal val="visible"/>
+                                      </p:to>
+                                    </p:set>
+                                  </p:childTnLst>
+                                </p:cTn>
+                              </p:par>
+                              <p:par>
+                                <p:cTn id="9" presetID="1" presetClass="entr" presetSubtype="0" fill="hold" nodeType="withEffect">
+                                  <p:stCondLst>
+                                    <p:cond delay="0"/>
+                                  </p:stCondLst>
+                                  <p:childTnLst>
+                                    <p:set>
+                                      <p:cBhvr>
+                                        <p:cTn id="10" dur="1" fill="hold">
+                                          <p:stCondLst>
+                                            <p:cond delay="0"/>
+                                          </p:stCondLst>
+                                        </p:cTn>
+                                        <p:tgtEl>
+                                          <p:spTgt spid="7">
+                                            <p:txEl>
+                                              <p:pRg st="2" end="2"/>
+                                            </p:txEl>
+                                          </p:spTgt>
+                                        </p:tgtEl>
+                                        <p:attrNameLst>
+                                          <p:attrName>style.visibility</p:attrName>
+                                        </p:attrNameLst>
+                                      </p:cBhvr>
+                                      <p:to>
+                                        <p:strVal val="visible"/>
+                                      </p:to>
+                                    </p:set>
+                                  </p:childTnLst>
+                                </p:cTn>
+                              </p:par>
+                            </p:childTnLst>
+                          </p:cTn>
+                        </p:par>
+                      </p:childTnLst>
+                    </p:cTn>
+                  </p:par>
+                  <p:par>
+                    <p:cTn id="11" fill="hold">
+                      <p:stCondLst>
+                        <p:cond delay="indefinite"/>
+                      </p:stCondLst>
+                      <p:childTnLst>
+                        <p:par>
+                          <p:cTn id="12" fill="hold">
+                            <p:stCondLst>
+                              <p:cond delay="0"/>
+                            </p:stCondLst>
+                            <p:childTnLst>
+                              <p:par>
+                                <p:cTn id="13" presetID="1" presetClass="entr" presetSubtype="0" fill="hold" nodeType="clickEffect">
+                                  <p:stCondLst>
+                                    <p:cond delay="0"/>
+                                  </p:stCondLst>
+                                  <p:childTnLst>
+                                    <p:set>
+                                      <p:cBhvr>
+                                        <p:cTn id="14" dur="1" fill="hold">
+                                          <p:stCondLst>
+                                            <p:cond delay="0"/>
+                                          </p:stCondLst>
+                                        </p:cTn>
+                                        <p:tgtEl>
+                                          <p:spTgt spid="7">
+                                            <p:txEl>
+                                              <p:pRg st="3" end="3"/>
+                                            </p:txEl>
+                                          </p:spTgt>
+                                        </p:tgtEl>
+                                        <p:attrNameLst>
+                                          <p:attrName>style.visibility</p:attrName>
+                                        </p:attrNameLst>
+                                      </p:cBhvr>
+                                      <p:to>
+                                        <p:strVal val="visible"/>
+                                      </p:to>
+                                    </p:set>
+                                  </p:childTnLst>
+                                </p:cTn>
+                              </p:par>
+                              <p:par>
+                                <p:cTn id="15" presetID="1" presetClass="entr" presetSubtype="0" fill="hold" nodeType="withEffect">
+                                  <p:stCondLst>
+                                    <p:cond delay="0"/>
+                                  </p:stCondLst>
+                                  <p:childTnLst>
+                                    <p:set>
+                                      <p:cBhvr>
+                                        <p:cTn id="16" dur="1" fill="hold">
+                                          <p:stCondLst>
+                                            <p:cond delay="0"/>
+                                          </p:stCondLst>
+                                        </p:cTn>
+                                        <p:tgtEl>
+                                          <p:spTgt spid="7">
+                                            <p:txEl>
+                                              <p:pRg st="4" end="4"/>
+                                            </p:txEl>
+                                          </p:spTgt>
+                                        </p:tgtEl>
+                                        <p:attrNameLst>
+                                          <p:attrName>style.visibility</p:attrName>
+                                        </p:attrNameLst>
+                                      </p:cBhvr>
+                                      <p:to>
+                                        <p:strVal val="visible"/>
+                                      </p:to>
+                                    </p:set>
+                                  </p:childTnLst>
+                                </p:cTn>
+                              </p:par>
+                              <p:par>
+                                <p:cTn id="17" presetID="1" presetClass="entr" presetSubtype="0" fill="hold" nodeType="withEffect">
+                                  <p:stCondLst>
+                                    <p:cond delay="0"/>
+                                  </p:stCondLst>
+                                  <p:childTnLst>
+                                    <p:set>
+                                      <p:cBhvr>
+                                        <p:cTn id="18" dur="1" fill="hold">
+                                          <p:stCondLst>
+                                            <p:cond delay="0"/>
+                                          </p:stCondLst>
+                                        </p:cTn>
+                                        <p:tgtEl>
+                                          <p:spTgt spid="7">
+                                            <p:txEl>
+                                              <p:pRg st="5" end="5"/>
+                                            </p:txEl>
+                                          </p:spTgt>
+                                        </p:tgtEl>
+                                        <p:attrNameLst>
+                                          <p:attrName>style.visibility</p:attrName>
+                                        </p:attrNameLst>
+                                      </p:cBhvr>
+                                      <p:to>
+                                        <p:strVal val="visible"/>
+                                      </p:to>
+                                    </p:set>
+                                  </p:childTnLst>
+                                </p:cTn>
+                              </p:par>
+                              <p:par>
+                                <p:cTn id="19" presetID="1" presetClass="entr" presetSubtype="0" fill="hold" nodeType="withEffect">
+                                  <p:stCondLst>
+                                    <p:cond delay="0"/>
+                                  </p:stCondLst>
+                                  <p:childTnLst>
+                                    <p:set>
+                                      <p:cBhvr>
+                                        <p:cTn id="20" dur="1" fill="hold">
+                                          <p:stCondLst>
+                                            <p:cond delay="0"/>
+                                          </p:stCondLst>
+                                        </p:cTn>
+                                        <p:tgtEl>
+                                          <p:spTgt spid="7">
+                                            <p:txEl>
+                                              <p:pRg st="6" end="6"/>
+                                            </p:txEl>
+                                          </p:spTgt>
+                                        </p:tgtEl>
+                                        <p:attrNameLst>
+                                          <p:attrName>style.visibility</p:attrName>
+                                        </p:attrNameLst>
+                                      </p:cBhvr>
+                                      <p:to>
+                                        <p:strVal val="visible"/>
+                                      </p:to>
+                                    </p:set>
+                                  </p:childTnLst>
+                                </p:cTn>
+                              </p:par>
+                            </p:childTnLst>
+                          </p:cTn>
+                        </p:par>
+                      </p:childTnLst>
+                    </p:cTn>
+                  </p:par>
+                  <p:par>
+                    <p:cTn id="21" fill="hold">
+                      <p:stCondLst>
+                        <p:cond delay="indefinite"/>
+                      </p:stCondLst>
+                      <p:childTnLst>
+                        <p:par>
+                          <p:cTn id="22" fill="hold">
+                            <p:stCondLst>
+                              <p:cond delay="0"/>
+                            </p:stCondLst>
+                            <p:childTnLst>
+                              <p:par>
+                                <p:cTn id="23" presetID="1" presetClass="entr" presetSubtype="0" fill="hold" nodeType="clickEffect">
+                                  <p:stCondLst>
+                                    <p:cond delay="0"/>
+                                  </p:stCondLst>
+                                  <p:childTnLst>
+                                    <p:set>
+                                      <p:cBhvr>
+                                        <p:cTn id="24" dur="1" fill="hold">
+                                          <p:stCondLst>
+                                            <p:cond delay="0"/>
+                                          </p:stCondLst>
+                                        </p:cTn>
+                                        <p:tgtEl>
+                                          <p:spTgt spid="7">
+                                            <p:txEl>
+                                              <p:pRg st="7" end="7"/>
+                                            </p:txEl>
+                                          </p:spTgt>
+                                        </p:tgtEl>
+                                        <p:attrNameLst>
+                                          <p:attrName>style.visibility</p:attrName>
+                                        </p:attrNameLst>
+                                      </p:cBhvr>
+                                      <p:to>
+                                        <p:strVal val="visible"/>
+                                      </p:to>
+                                    </p:set>
+                                  </p:childTnLst>
+                                </p:cTn>
+                              </p:par>
+                              <p:par>
+                                <p:cTn id="25" presetID="1" presetClass="entr" presetSubtype="0" fill="hold" nodeType="withEffect">
+                                  <p:stCondLst>
+                                    <p:cond delay="0"/>
+                                  </p:stCondLst>
+                                  <p:childTnLst>
+                                    <p:set>
+                                      <p:cBhvr>
+                                        <p:cTn id="26" dur="1" fill="hold">
+                                          <p:stCondLst>
+                                            <p:cond delay="0"/>
+                                          </p:stCondLst>
+                                        </p:cTn>
+                                        <p:tgtEl>
+                                          <p:spTgt spid="7">
+                                            <p:txEl>
+                                              <p:pRg st="8" end="8"/>
+                                            </p:txEl>
+                                          </p:spTgt>
+                                        </p:tgtEl>
+                                        <p:attrNameLst>
+                                          <p:attrName>style.visibility</p:attrName>
+                                        </p:attrNameLst>
+                                      </p:cBhvr>
+                                      <p:to>
+                                        <p:strVal val="visible"/>
+                                      </p:to>
+                                    </p:set>
+                                  </p:childTnLst>
+                                </p:cTn>
+                              </p:par>
+                            </p:childTnLst>
+                          </p:cTn>
+                        </p:par>
+                      </p:childTnLst>
+                    </p:cTn>
+                  </p:par>
+                  <p:par>
+                    <p:cTn id="27" fill="hold">
+                      <p:stCondLst>
+                        <p:cond delay="indefinite"/>
+                      </p:stCondLst>
+                      <p:childTnLst>
+                        <p:par>
+                          <p:cTn id="28" fill="hold">
+                            <p:stCondLst>
+                              <p:cond delay="0"/>
+                            </p:stCondLst>
+                            <p:childTnLst>
+                              <p:par>
+                                <p:cTn id="29" presetID="1" presetClass="entr" presetSubtype="0" fill="hold" nodeType="clickEffect">
+                                  <p:stCondLst>
+                                    <p:cond delay="0"/>
+                                  </p:stCondLst>
+                                  <p:childTnLst>
+                                    <p:set>
+                                      <p:cBhvr>
+                                        <p:cTn id="30" dur="1" fill="hold">
+                                          <p:stCondLst>
+                                            <p:cond delay="0"/>
+                                          </p:stCondLst>
+                                        </p:cTn>
+                                        <p:tgtEl>
+                                          <p:spTgt spid="7">
+                                            <p:txEl>
+                                              <p:pRg st="9" end="9"/>
+                                            </p:txEl>
+                                          </p:spTgt>
+                                        </p:tgtEl>
+                                        <p:attrNameLst>
+                                          <p:attrName>style.visibility</p:attrName>
+                                        </p:attrNameLst>
+                                      </p:cBhvr>
+                                      <p:to>
+                                        <p:strVal val="visible"/>
+                                      </p:to>
+                                    </p:set>
+                                  </p:childTnLst>
+                                </p:cTn>
+                              </p:par>
+                            </p:childTnLst>
+                          </p:cTn>
+                        </p:par>
+                      </p:childTnLst>
+                    </p:cTn>
+                  </p:par>
+                  <p:par>
+                    <p:cTn id="31" fill="hold">
+                      <p:stCondLst>
+                        <p:cond delay="indefinite"/>
+                      </p:stCondLst>
+                      <p:childTnLst>
+                        <p:par>
+                          <p:cTn id="32" fill="hold">
+                            <p:stCondLst>
+                              <p:cond delay="0"/>
+                            </p:stCondLst>
+                            <p:childTnLst>
+                              <p:par>
+                                <p:cTn id="33" presetID="1" presetClass="entr" presetSubtype="0" fill="hold" grpId="0" nodeType="clickEffect">
+                                  <p:stCondLst>
+                                    <p:cond delay="0"/>
+                                  </p:stCondLst>
+                                  <p:childTnLst>
+                                    <p:set>
+                                      <p:cBhvr>
+                                        <p:cTn id="34" dur="1" fill="hold">
+                                          <p:stCondLst>
+                                            <p:cond delay="0"/>
+                                          </p:stCondLst>
+                                        </p:cTn>
+                                        <p:tgtEl>
+                                          <p:spTgt spid="3"/>
+                                        </p:tgtEl>
+                                        <p:attrNameLst>
+                                          <p:attrName>style.visibility</p:attrName>
+                                        </p:attrNameLst>
+                                      </p:cBhvr>
+                                      <p:to>
+                                        <p:strVal val="visible"/>
+                                      </p:to>
+                                    </p:set>
+                                  </p:childTnLst>
+                                </p:cTn>
+                              </p:par>
+                            </p:childTnLst>
+                          </p:cTn>
+                        </p:par>
+                      </p:childTnLst>
+                    </p:cTn>
+                  </p:par>
+                </p:childTnLst>
+              </p:cTn>
+              <p:prevCondLst>
+                <p:cond evt="onPrev" delay="0">
+                  <p:tgtEl>
+                    <p:sldTgt/>
+                  </p:tgtEl>
+                </p:cond>
+              </p:prevCondLst>
+              <p:nextCondLst>
+                <p:cond evt="onNext" delay="0">
+                  <p:tgtEl>
+                    <p:sldTgt/>
+                  </p:tgtEl>
+                </p:cond>
+              </p:nextCondLst>
+            </p:seq>
+          </p:childTnLst>
+        </p:cTn>
+      </p:par>
+    </p:tnLst>
+    <p:bldLst>
+      <p:bldP spid="3" grpId="0"/>
+    </p:bldLst>
+  </p:timing>
+</p:sld>
+</file>
+
+<file path=ppt/slides/slide7.xml><?xml version="1.0" encoding="utf-8"?>
+<p:sld xmlns:a="http://schemas.openxmlformats.org/drawingml/2006/main" xmlns:r="http://schemas.openxmlformats.org/officeDocument/2006/relationships" xmlns:p="http://schemas.openxmlformats.org/presentationml/2006/main">
+  <p:cSld>
+    <p:spTree>
+      <p:nvGrpSpPr>
+        <p:cNvPr id="1" name=""/>
+        <p:cNvGrpSpPr/>
+        <p:nvPr/>
+      </p:nvGrpSpPr>
+      <p:grpSpPr>
+        <a:xfrm>
+          <a:off x="0" y="0"/>
+          <a:ext cx="0" cy="0"/>
+          <a:chOff x="0" y="0"/>
+          <a:chExt cx="0" cy="0"/>
+        </a:xfrm>
+      </p:grpSpPr>
+      <p:sp>
+        <p:nvSpPr>
+          <p:cNvPr id="6" name="TextBox 5">
+            <a:extLst>
+              <a:ext uri="{FF2B5EF4-FFF2-40B4-BE49-F238E27FC236}">
+                <a16:creationId xmlns:a16="http://schemas.microsoft.com/office/drawing/2014/main" id="{674B3E85-279C-3438-FA92-39D470211CC3}"/>
+              </a:ext>
+            </a:extLst>
+          </p:cNvPr>
+          <p:cNvSpPr txBox="1"/>
+          <p:nvPr/>
+        </p:nvSpPr>
+        <p:spPr>
+          <a:xfrm>
+            <a:off x="4712007" y="357353"/>
+            <a:ext cx="2451889" cy="769441"/>
+          </a:xfrm>
+          <a:prstGeom prst="rect">
+            <a:avLst/>
+          </a:prstGeom>
+          <a:noFill/>
+        </p:spPr>
+        <p:txBody>
+          <a:bodyPr wrap="none" rtlCol="0">
+            <a:spAutoFit/>
+          </a:bodyPr>
+          <a:lstStyle/>
+          <a:p>
+            <a:pPr algn="ctr"/>
+            <a:r>
+              <a:rPr lang="en-DE" sz="4400" b="1" dirty="0">
+                <a:solidFill>
+                  <a:srgbClr val="0070C0"/>
+                </a:solidFill>
+              </a:rPr>
+              <a:t>Chapter 1</a:t>
+            </a:r>
+          </a:p>
+        </p:txBody>
+      </p:sp>
+      <p:sp>
+        <p:nvSpPr>
+          <p:cNvPr id="2" name="TextBox 1">
+            <a:extLst>
+              <a:ext uri="{FF2B5EF4-FFF2-40B4-BE49-F238E27FC236}">
+                <a16:creationId xmlns:a16="http://schemas.microsoft.com/office/drawing/2014/main" id="{2B4318B9-1EFB-AB42-6E31-C63DDB66657D}"/>
+              </a:ext>
+            </a:extLst>
+          </p:cNvPr>
+          <p:cNvSpPr txBox="1"/>
+          <p:nvPr/>
+        </p:nvSpPr>
+        <p:spPr>
+          <a:xfrm>
+            <a:off x="2640278" y="2263142"/>
+            <a:ext cx="6911444" cy="923330"/>
+          </a:xfrm>
+          <a:prstGeom prst="rect">
+            <a:avLst/>
+          </a:prstGeom>
+          <a:noFill/>
+        </p:spPr>
+        <p:txBody>
+          <a:bodyPr wrap="none" rtlCol="0">
+            <a:spAutoFit/>
+          </a:bodyPr>
+          <a:lstStyle/>
+          <a:p>
+            <a:r>
+              <a:rPr lang="en-DE" sz="5400" b="1" dirty="0"/>
+              <a:t>Are any things unclear?</a:t>
+            </a:r>
+          </a:p>
+        </p:txBody>
+      </p:sp>
+      <p:sp>
+        <p:nvSpPr>
+          <p:cNvPr id="3" name="TextBox 2">
+            <a:extLst>
+              <a:ext uri="{FF2B5EF4-FFF2-40B4-BE49-F238E27FC236}">
+                <a16:creationId xmlns:a16="http://schemas.microsoft.com/office/drawing/2014/main" id="{97C6ABE5-1043-035B-51A3-CC4ED0A62494}"/>
+              </a:ext>
+            </a:extLst>
+          </p:cNvPr>
+          <p:cNvSpPr txBox="1"/>
+          <p:nvPr/>
+        </p:nvSpPr>
+        <p:spPr>
+          <a:xfrm>
+            <a:off x="4553950" y="4034136"/>
+            <a:ext cx="2768002" cy="923330"/>
+          </a:xfrm>
+          <a:prstGeom prst="rect">
+            <a:avLst/>
+          </a:prstGeom>
+          <a:noFill/>
+        </p:spPr>
+        <p:txBody>
+          <a:bodyPr wrap="none" rtlCol="0">
+            <a:spAutoFit/>
+          </a:bodyPr>
+          <a:lstStyle/>
+          <a:p>
+            <a:r>
+              <a:rPr lang="en-DE" sz="5400" b="1" dirty="0"/>
+              <a:t>Exercises</a:t>
+            </a:r>
+          </a:p>
+        </p:txBody>
+      </p:sp>
+    </p:spTree>
+    <p:extLst>
+      <p:ext uri="{BB962C8B-B14F-4D97-AF65-F5344CB8AC3E}">
+        <p14:creationId xmlns:p14="http://schemas.microsoft.com/office/powerpoint/2010/main" val="3873674468"/>
+      </p:ext>
+    </p:extLst>
+  </p:cSld>
+  <p:clrMapOvr>
+    <a:masterClrMapping/>
+  </p:clrMapOvr>
+  <p:timing>
+    <p:tnLst>
+      <p:par>
+        <p:cTn id="1" dur="indefinite" restart="never" nodeType="tmRoot">
+          <p:childTnLst>
+            <p:seq concurrent="1" nextAc="seek">
+              <p:cTn id="2" dur="indefinite" nodeType="mainSeq">
+                <p:childTnLst>
+                  <p:par>
+                    <p:cTn id="3" fill="hold">
+                      <p:stCondLst>
+                        <p:cond delay="indefinite"/>
+                      </p:stCondLst>
+                      <p:childTnLst>
+                        <p:par>
+                          <p:cTn id="4" fill="hold">
+                            <p:stCondLst>
+                              <p:cond delay="0"/>
+                            </p:stCondLst>
+                            <p:childTnLst>
+                              <p:par>
+                                <p:cTn id="5" presetID="1" presetClass="entr" presetSubtype="0" fill="hold" nodeType="clickEffect">
+                                  <p:stCondLst>
+                                    <p:cond delay="0"/>
+                                  </p:stCondLst>
+                                  <p:childTnLst>
+                                    <p:set>
+                                      <p:cBhvr>
+                                        <p:cTn id="6" dur="1" fill="hold">
+                                          <p:stCondLst>
+                                            <p:cond delay="0"/>
+                                          </p:stCondLst>
+                                        </p:cTn>
+                                        <p:tgtEl>
+                                          <p:spTgt spid="3">
+                                            <p:txEl>
+                                              <p:pRg st="0" end="0"/>
+                                            </p:txEl>
+                                          </p:spTgt>
+                                        </p:tgtEl>
+                                        <p:attrNameLst>
+                                          <p:attrName>style.visibility</p:attrName>
+                                        </p:attrNameLst>
+                                      </p:cBhvr>
+                                      <p:to>
+                                        <p:strVal val="visible"/>
+                                      </p:to>
+                                    </p:set>
+                                  </p:childTnLst>
+                                </p:cTn>
+                              </p:par>
+                            </p:childTnLst>
+                          </p:cTn>
+                        </p:par>
+                      </p:childTnLst>
+                    </p:cTn>
+                  </p:par>
+                </p:childTnLst>
+              </p:cTn>
+              <p:prevCondLst>
+                <p:cond evt="onPrev" delay="0">
+                  <p:tgtEl>
+                    <p:sldTgt/>
+                  </p:tgtEl>
+                </p:cond>
+              </p:prevCondLst>
+              <p:nextCondLst>
+                <p:cond evt="onNext" delay="0">
+                  <p:tgtEl>
+                    <p:sldTgt/>
+                  </p:tgtEl>
+                </p:cond>
+              </p:nextCondLst>
+            </p:seq>
+          </p:childTnLst>
+        </p:cTn>
+      </p:par>
+    </p:tnLst>
+  </p:timing>
 </p:sld>
 </file>
 
